--- a/PowerPoint/themes/theme2/classic.pptx
+++ b/PowerPoint/themes/theme2/classic.pptx
@@ -7,7 +7,7 @@
   <p:sldIdLst>
     <p:sldId id="256" r:id="rId2"/>
   </p:sldIdLst>
-  <p:sldSz cx="9144000" cy="6858000" type="screen4x3"/>
+  <p:sldSz cx="9144000" cy="5143500" type="screen16x9"/>
   <p:notesSz cx="6858000" cy="9144000"/>
   <p:defaultTextStyle>
     <a:defPPr>
@@ -106,7 +106,7 @@
   </p:defaultTextStyle>
   <p:extLst>
     <p:ext uri="{EFAFB233-063F-42B5-8137-9DF3F51BA10A}">
-      <p15:sldGuideLst xmlns:p15="http://schemas.microsoft.com/office/powerpoint/2012/main">
+      <p15:sldGuideLst xmlns:p15="http://schemas.microsoft.com/office/powerpoint/2012/main" xmlns="">
         <p15:guide id="1" orient="horz" pos="2160">
           <p15:clr>
             <a:srgbClr val="A4A3A4"/>
@@ -189,8 +189,8 @@
         </p:blipFill>
         <p:spPr>
           <a:xfrm>
-            <a:off x="107504" y="116632"/>
-            <a:ext cx="8928992" cy="6590405"/>
+            <a:off x="107504" y="87474"/>
+            <a:ext cx="8928992" cy="4942804"/>
           </a:xfrm>
           <a:prstGeom prst="rect">
             <a:avLst/>
@@ -209,8 +209,8 @@
         </p:nvSpPr>
         <p:spPr>
           <a:xfrm>
-            <a:off x="2771800" y="4077073"/>
-            <a:ext cx="3744416" cy="936104"/>
+            <a:off x="2771800" y="3057805"/>
+            <a:ext cx="3744416" cy="702078"/>
           </a:xfrm>
           <a:prstGeom prst="rect">
             <a:avLst/>
@@ -329,8 +329,8 @@
         </p:nvGrpSpPr>
         <p:grpSpPr>
           <a:xfrm>
-            <a:off x="2411760" y="3786979"/>
-            <a:ext cx="4320479" cy="158407"/>
+            <a:off x="2411761" y="2840235"/>
+            <a:ext cx="4320479" cy="118805"/>
             <a:chOff x="971600" y="2347184"/>
             <a:chExt cx="6007191" cy="245171"/>
           </a:xfrm>
@@ -811,8 +811,8 @@
         </p:nvSpPr>
         <p:spPr>
           <a:xfrm>
-            <a:off x="1565731" y="2608326"/>
-            <a:ext cx="6048672" cy="803508"/>
+            <a:off x="1565731" y="1956245"/>
+            <a:ext cx="6048672" cy="602631"/>
           </a:xfrm>
         </p:spPr>
         <p:txBody>
@@ -946,8 +946,8 @@
         </p:nvSpPr>
         <p:spPr>
           <a:xfrm>
-            <a:off x="433536" y="6165304"/>
-            <a:ext cx="2133600" cy="365125"/>
+            <a:off x="433536" y="4623978"/>
+            <a:ext cx="2133600" cy="273844"/>
           </a:xfrm>
           <a:prstGeom prst="rect">
             <a:avLst/>
@@ -968,7 +968,7 @@
             <a:fld id="{51E84241-D031-42DE-84E4-CC10C30232F4}" type="datetimeFigureOut">
               <a:rPr lang="ru-RU" smtClean="0"/>
               <a:pPr/>
-              <a:t>06.12.2012</a:t>
+              <a:t>22.10.2013</a:t>
             </a:fld>
             <a:endParaRPr lang="ru-RU" dirty="0"/>
           </a:p>
@@ -986,8 +986,8 @@
         </p:nvSpPr>
         <p:spPr>
           <a:xfrm>
-            <a:off x="3100536" y="6165304"/>
-            <a:ext cx="2895600" cy="365125"/>
+            <a:off x="3100536" y="4623978"/>
+            <a:ext cx="2895600" cy="273844"/>
           </a:xfrm>
           <a:prstGeom prst="rect">
             <a:avLst/>
@@ -1021,8 +1021,8 @@
         </p:nvSpPr>
         <p:spPr>
           <a:xfrm>
-            <a:off x="6529536" y="6165304"/>
-            <a:ext cx="2133600" cy="365125"/>
+            <a:off x="6529536" y="4623978"/>
+            <a:ext cx="2133600" cy="273844"/>
           </a:xfrm>
           <a:prstGeom prst="rect">
             <a:avLst/>
@@ -1059,6 +1059,13 @@
   <p:clrMapOvr>
     <a:masterClrMapping/>
   </p:clrMapOvr>
+  <p:timing>
+    <p:tnLst>
+      <p:par>
+        <p:cTn id="1" dur="indefinite" restart="never" nodeType="tmRoot"/>
+      </p:par>
+    </p:tnLst>
+  </p:timing>
 </p:sldLayout>
 </file>
 
@@ -1091,8 +1098,8 @@
         </p:nvSpPr>
         <p:spPr>
           <a:xfrm>
-            <a:off x="6629400" y="274638"/>
-            <a:ext cx="2057400" cy="5851525"/>
+            <a:off x="6629400" y="205979"/>
+            <a:ext cx="2057400" cy="4388644"/>
           </a:xfrm>
         </p:spPr>
         <p:txBody>
@@ -1119,8 +1126,8 @@
         </p:nvSpPr>
         <p:spPr>
           <a:xfrm>
-            <a:off x="457200" y="274638"/>
-            <a:ext cx="6019800" cy="5851525"/>
+            <a:off x="457200" y="205979"/>
+            <a:ext cx="6019800" cy="4388644"/>
           </a:xfrm>
         </p:spPr>
         <p:txBody>
@@ -1181,7 +1188,7 @@
           <a:p>
             <a:fld id="{51E84241-D031-42DE-84E4-CC10C30232F4}" type="datetimeFigureOut">
               <a:rPr lang="ru-RU" smtClean="0"/>
-              <a:t>06.12.2012</a:t>
+              <a:t>22.10.2013</a:t>
             </a:fld>
             <a:endParaRPr lang="ru-RU"/>
           </a:p>
@@ -1239,6 +1246,13 @@
   <p:clrMapOvr>
     <a:masterClrMapping/>
   </p:clrMapOvr>
+  <p:timing>
+    <p:tnLst>
+      <p:par>
+        <p:cTn id="1" dur="indefinite" restart="never" nodeType="tmRoot"/>
+      </p:par>
+    </p:tnLst>
+  </p:timing>
 </p:sldLayout>
 </file>
 
@@ -1271,8 +1285,8 @@
         </p:nvSpPr>
         <p:spPr>
           <a:xfrm>
-            <a:off x="433536" y="6165304"/>
-            <a:ext cx="2133600" cy="365125"/>
+            <a:off x="433536" y="4623978"/>
+            <a:ext cx="2133600" cy="273844"/>
           </a:xfrm>
           <a:prstGeom prst="rect">
             <a:avLst/>
@@ -1293,7 +1307,7 @@
             <a:fld id="{51E84241-D031-42DE-84E4-CC10C30232F4}" type="datetimeFigureOut">
               <a:rPr lang="ru-RU" smtClean="0"/>
               <a:pPr/>
-              <a:t>06.12.2012</a:t>
+              <a:t>22.10.2013</a:t>
             </a:fld>
             <a:endParaRPr lang="ru-RU" dirty="0"/>
           </a:p>
@@ -1311,8 +1325,8 @@
         </p:nvSpPr>
         <p:spPr>
           <a:xfrm>
-            <a:off x="3100536" y="6165304"/>
-            <a:ext cx="2895600" cy="365125"/>
+            <a:off x="3100536" y="4623978"/>
+            <a:ext cx="2895600" cy="273844"/>
           </a:xfrm>
           <a:prstGeom prst="rect">
             <a:avLst/>
@@ -1346,8 +1360,8 @@
         </p:nvSpPr>
         <p:spPr>
           <a:xfrm>
-            <a:off x="6529536" y="6165304"/>
-            <a:ext cx="2133600" cy="365125"/>
+            <a:off x="6529536" y="4623978"/>
+            <a:ext cx="2133600" cy="273844"/>
           </a:xfrm>
           <a:prstGeom prst="rect">
             <a:avLst/>
@@ -1386,8 +1400,8 @@
         </p:nvSpPr>
         <p:spPr>
           <a:xfrm>
-            <a:off x="457200" y="274638"/>
-            <a:ext cx="8229600" cy="1143000"/>
+            <a:off x="457200" y="205979"/>
+            <a:ext cx="8229600" cy="857250"/>
           </a:xfrm>
           <a:prstGeom prst="rect">
             <a:avLst/>
@@ -1419,8 +1433,8 @@
         </p:nvSpPr>
         <p:spPr>
           <a:xfrm>
-            <a:off x="457200" y="1600200"/>
-            <a:ext cx="8229600" cy="4525963"/>
+            <a:off x="457200" y="1200151"/>
+            <a:ext cx="8229600" cy="3394472"/>
           </a:xfrm>
           <a:prstGeom prst="rect">
             <a:avLst/>
@@ -1555,8 +1569,8 @@
         </p:blipFill>
         <p:spPr>
           <a:xfrm>
-            <a:off x="107504" y="116632"/>
-            <a:ext cx="8928992" cy="6590405"/>
+            <a:off x="107504" y="87474"/>
+            <a:ext cx="8928992" cy="4942804"/>
           </a:xfrm>
           <a:prstGeom prst="rect">
             <a:avLst/>
@@ -1575,8 +1589,8 @@
         </p:nvSpPr>
         <p:spPr>
           <a:xfrm>
-            <a:off x="685800" y="836713"/>
-            <a:ext cx="7772400" cy="1008112"/>
+            <a:off x="685800" y="627535"/>
+            <a:ext cx="7772400" cy="756084"/>
           </a:xfrm>
         </p:spPr>
         <p:txBody>
@@ -1607,8 +1621,8 @@
         </p:nvSpPr>
         <p:spPr>
           <a:xfrm>
-            <a:off x="722313" y="2060848"/>
-            <a:ext cx="7772400" cy="3816425"/>
+            <a:off x="722313" y="1545636"/>
+            <a:ext cx="7772400" cy="2862319"/>
           </a:xfrm>
         </p:spPr>
         <p:txBody>
@@ -1726,8 +1740,8 @@
         </p:nvSpPr>
         <p:spPr>
           <a:xfrm>
-            <a:off x="433536" y="6165304"/>
-            <a:ext cx="2133600" cy="365125"/>
+            <a:off x="433536" y="4623978"/>
+            <a:ext cx="2133600" cy="273844"/>
           </a:xfrm>
         </p:spPr>
         <p:txBody>
@@ -1736,7 +1750,7 @@
           <a:p>
             <a:fld id="{51E84241-D031-42DE-84E4-CC10C30232F4}" type="datetimeFigureOut">
               <a:rPr lang="ru-RU" smtClean="0"/>
-              <a:t>06.12.2012</a:t>
+              <a:t>22.10.2013</a:t>
             </a:fld>
             <a:endParaRPr lang="ru-RU"/>
           </a:p>
@@ -1754,8 +1768,8 @@
         </p:nvSpPr>
         <p:spPr>
           <a:xfrm>
-            <a:off x="3100536" y="6165304"/>
-            <a:ext cx="2895600" cy="365125"/>
+            <a:off x="3100536" y="4623978"/>
+            <a:ext cx="2895600" cy="273844"/>
           </a:xfrm>
         </p:spPr>
         <p:txBody>
@@ -1778,8 +1792,8 @@
         </p:nvSpPr>
         <p:spPr>
           <a:xfrm>
-            <a:off x="6529536" y="6165304"/>
-            <a:ext cx="2133600" cy="365125"/>
+            <a:off x="6529536" y="4623978"/>
+            <a:ext cx="2133600" cy="273844"/>
           </a:xfrm>
         </p:spPr>
         <p:txBody>
@@ -1866,8 +1880,8 @@
         </p:nvSpPr>
         <p:spPr>
           <a:xfrm>
-            <a:off x="457200" y="1600200"/>
-            <a:ext cx="4038600" cy="4525963"/>
+            <a:off x="457200" y="1200151"/>
+            <a:ext cx="4038600" cy="3394472"/>
           </a:xfrm>
         </p:spPr>
         <p:txBody>
@@ -1951,8 +1965,8 @@
         </p:nvSpPr>
         <p:spPr>
           <a:xfrm>
-            <a:off x="4648200" y="1600200"/>
-            <a:ext cx="4038600" cy="4525963"/>
+            <a:off x="4648200" y="1200151"/>
+            <a:ext cx="4038600" cy="3394472"/>
           </a:xfrm>
         </p:spPr>
         <p:txBody>
@@ -2041,7 +2055,7 @@
           <a:p>
             <a:fld id="{51E84241-D031-42DE-84E4-CC10C30232F4}" type="datetimeFigureOut">
               <a:rPr lang="ru-RU" smtClean="0"/>
-              <a:t>06.12.2012</a:t>
+              <a:t>22.10.2013</a:t>
             </a:fld>
             <a:endParaRPr lang="ru-RU"/>
           </a:p>
@@ -2165,8 +2179,8 @@
         </p:nvSpPr>
         <p:spPr>
           <a:xfrm>
-            <a:off x="457200" y="1535113"/>
-            <a:ext cx="4040188" cy="639762"/>
+            <a:off x="457200" y="1151335"/>
+            <a:ext cx="4040188" cy="479822"/>
           </a:xfrm>
         </p:spPr>
         <p:txBody>
@@ -2230,8 +2244,8 @@
         </p:nvSpPr>
         <p:spPr>
           <a:xfrm>
-            <a:off x="457200" y="2174875"/>
-            <a:ext cx="4040188" cy="3951288"/>
+            <a:off x="457200" y="1631156"/>
+            <a:ext cx="4040188" cy="2963466"/>
           </a:xfrm>
         </p:spPr>
         <p:txBody>
@@ -2315,8 +2329,8 @@
         </p:nvSpPr>
         <p:spPr>
           <a:xfrm>
-            <a:off x="4645025" y="1535113"/>
-            <a:ext cx="4041775" cy="639762"/>
+            <a:off x="4645026" y="1151335"/>
+            <a:ext cx="4041775" cy="479822"/>
           </a:xfrm>
         </p:spPr>
         <p:txBody>
@@ -2380,8 +2394,8 @@
         </p:nvSpPr>
         <p:spPr>
           <a:xfrm>
-            <a:off x="4645025" y="2174875"/>
-            <a:ext cx="4041775" cy="3951288"/>
+            <a:off x="4645026" y="1631156"/>
+            <a:ext cx="4041775" cy="2963466"/>
           </a:xfrm>
         </p:spPr>
         <p:txBody>
@@ -2470,7 +2484,7 @@
           <a:p>
             <a:fld id="{51E84241-D031-42DE-84E4-CC10C30232F4}" type="datetimeFigureOut">
               <a:rPr lang="ru-RU" smtClean="0"/>
-              <a:t>06.12.2012</a:t>
+              <a:t>22.10.2013</a:t>
             </a:fld>
             <a:endParaRPr lang="ru-RU"/>
           </a:p>
@@ -2590,8 +2604,8 @@
         </p:nvSpPr>
         <p:spPr>
           <a:xfrm>
-            <a:off x="433536" y="6165304"/>
-            <a:ext cx="2133600" cy="365125"/>
+            <a:off x="433536" y="4623978"/>
+            <a:ext cx="2133600" cy="273844"/>
           </a:xfrm>
           <a:prstGeom prst="rect">
             <a:avLst/>
@@ -2612,7 +2626,7 @@
             <a:fld id="{51E84241-D031-42DE-84E4-CC10C30232F4}" type="datetimeFigureOut">
               <a:rPr lang="ru-RU" smtClean="0"/>
               <a:pPr/>
-              <a:t>06.12.2012</a:t>
+              <a:t>22.10.2013</a:t>
             </a:fld>
             <a:endParaRPr lang="ru-RU" dirty="0"/>
           </a:p>
@@ -2630,8 +2644,8 @@
         </p:nvSpPr>
         <p:spPr>
           <a:xfrm>
-            <a:off x="3100536" y="6165304"/>
-            <a:ext cx="2895600" cy="365125"/>
+            <a:off x="3100536" y="4623978"/>
+            <a:ext cx="2895600" cy="273844"/>
           </a:xfrm>
           <a:prstGeom prst="rect">
             <a:avLst/>
@@ -2665,8 +2679,8 @@
         </p:nvSpPr>
         <p:spPr>
           <a:xfrm>
-            <a:off x="6529536" y="6165304"/>
-            <a:ext cx="2133600" cy="365125"/>
+            <a:off x="6529536" y="4623978"/>
+            <a:ext cx="2133600" cy="273844"/>
           </a:xfrm>
           <a:prstGeom prst="rect">
             <a:avLst/>
@@ -2703,6 +2717,13 @@
   <p:clrMapOvr>
     <a:masterClrMapping/>
   </p:clrMapOvr>
+  <p:timing>
+    <p:tnLst>
+      <p:par>
+        <p:cTn id="1" dur="indefinite" restart="never" nodeType="tmRoot"/>
+      </p:par>
+    </p:tnLst>
+  </p:timing>
 </p:sldLayout>
 </file>
 
@@ -2735,8 +2756,8 @@
         </p:nvSpPr>
         <p:spPr>
           <a:xfrm>
-            <a:off x="433536" y="6165304"/>
-            <a:ext cx="2133600" cy="365125"/>
+            <a:off x="433536" y="4623978"/>
+            <a:ext cx="2133600" cy="273844"/>
           </a:xfrm>
           <a:prstGeom prst="rect">
             <a:avLst/>
@@ -2757,7 +2778,7 @@
             <a:fld id="{51E84241-D031-42DE-84E4-CC10C30232F4}" type="datetimeFigureOut">
               <a:rPr lang="ru-RU" smtClean="0"/>
               <a:pPr/>
-              <a:t>06.12.2012</a:t>
+              <a:t>22.10.2013</a:t>
             </a:fld>
             <a:endParaRPr lang="ru-RU" dirty="0"/>
           </a:p>
@@ -2775,8 +2796,8 @@
         </p:nvSpPr>
         <p:spPr>
           <a:xfrm>
-            <a:off x="3100536" y="6165304"/>
-            <a:ext cx="2895600" cy="365125"/>
+            <a:off x="3100536" y="4623978"/>
+            <a:ext cx="2895600" cy="273844"/>
           </a:xfrm>
           <a:prstGeom prst="rect">
             <a:avLst/>
@@ -2810,8 +2831,8 @@
         </p:nvSpPr>
         <p:spPr>
           <a:xfrm>
-            <a:off x="6529536" y="6165304"/>
-            <a:ext cx="2133600" cy="365125"/>
+            <a:off x="6529536" y="4623978"/>
+            <a:ext cx="2133600" cy="273844"/>
           </a:xfrm>
           <a:prstGeom prst="rect">
             <a:avLst/>
@@ -2848,6 +2869,13 @@
   <p:clrMapOvr>
     <a:masterClrMapping/>
   </p:clrMapOvr>
+  <p:timing>
+    <p:tnLst>
+      <p:par>
+        <p:cTn id="1" dur="indefinite" restart="never" nodeType="tmRoot"/>
+      </p:par>
+    </p:tnLst>
+  </p:timing>
 </p:sldLayout>
 </file>
 
@@ -2880,8 +2908,8 @@
         </p:nvSpPr>
         <p:spPr>
           <a:xfrm>
-            <a:off x="467544" y="1556792"/>
-            <a:ext cx="3008313" cy="1162050"/>
+            <a:off x="467545" y="1167594"/>
+            <a:ext cx="3008313" cy="871538"/>
           </a:xfrm>
         </p:spPr>
         <p:txBody>
@@ -2912,8 +2940,8 @@
         </p:nvSpPr>
         <p:spPr>
           <a:xfrm>
-            <a:off x="3575050" y="1916832"/>
-            <a:ext cx="5111750" cy="4209331"/>
+            <a:off x="3575050" y="1437625"/>
+            <a:ext cx="5111750" cy="3156998"/>
           </a:xfrm>
         </p:spPr>
         <p:txBody>
@@ -2997,8 +3025,8 @@
         </p:nvSpPr>
         <p:spPr>
           <a:xfrm>
-            <a:off x="457200" y="2752533"/>
-            <a:ext cx="3008313" cy="3373630"/>
+            <a:off x="457201" y="2064400"/>
+            <a:ext cx="3008313" cy="2530223"/>
           </a:xfrm>
         </p:spPr>
         <p:txBody>
@@ -3062,8 +3090,8 @@
         </p:nvSpPr>
         <p:spPr>
           <a:xfrm>
-            <a:off x="433536" y="6165304"/>
-            <a:ext cx="2133600" cy="365125"/>
+            <a:off x="433536" y="4623978"/>
+            <a:ext cx="2133600" cy="273844"/>
           </a:xfrm>
           <a:prstGeom prst="rect">
             <a:avLst/>
@@ -3084,7 +3112,7 @@
             <a:fld id="{51E84241-D031-42DE-84E4-CC10C30232F4}" type="datetimeFigureOut">
               <a:rPr lang="ru-RU" smtClean="0"/>
               <a:pPr/>
-              <a:t>06.12.2012</a:t>
+              <a:t>22.10.2013</a:t>
             </a:fld>
             <a:endParaRPr lang="ru-RU" dirty="0"/>
           </a:p>
@@ -3102,8 +3130,8 @@
         </p:nvSpPr>
         <p:spPr>
           <a:xfrm>
-            <a:off x="3100536" y="6165304"/>
-            <a:ext cx="2895600" cy="365125"/>
+            <a:off x="3100536" y="4623978"/>
+            <a:ext cx="2895600" cy="273844"/>
           </a:xfrm>
           <a:prstGeom prst="rect">
             <a:avLst/>
@@ -3137,8 +3165,8 @@
         </p:nvSpPr>
         <p:spPr>
           <a:xfrm>
-            <a:off x="6529536" y="6165304"/>
-            <a:ext cx="2133600" cy="365125"/>
+            <a:off x="6529536" y="4623978"/>
+            <a:ext cx="2133600" cy="273844"/>
           </a:xfrm>
           <a:prstGeom prst="rect">
             <a:avLst/>
@@ -3175,6 +3203,13 @@
   <p:clrMapOvr>
     <a:masterClrMapping/>
   </p:clrMapOvr>
+  <p:timing>
+    <p:tnLst>
+      <p:par>
+        <p:cTn id="1" dur="indefinite" restart="never" nodeType="tmRoot"/>
+      </p:par>
+    </p:tnLst>
+  </p:timing>
 </p:sldLayout>
 </file>
 
@@ -3207,8 +3242,8 @@
         </p:nvSpPr>
         <p:spPr>
           <a:xfrm>
-            <a:off x="1792288" y="4800600"/>
-            <a:ext cx="5486400" cy="572616"/>
+            <a:off x="1792288" y="3600450"/>
+            <a:ext cx="5486400" cy="429462"/>
           </a:xfrm>
         </p:spPr>
         <p:txBody>
@@ -3239,8 +3274,8 @@
         </p:nvSpPr>
         <p:spPr>
           <a:xfrm>
-            <a:off x="433536" y="6165304"/>
-            <a:ext cx="2133600" cy="365125"/>
+            <a:off x="433536" y="4623978"/>
+            <a:ext cx="2133600" cy="273844"/>
           </a:xfrm>
           <a:prstGeom prst="rect">
             <a:avLst/>
@@ -3261,7 +3296,7 @@
             <a:fld id="{51E84241-D031-42DE-84E4-CC10C30232F4}" type="datetimeFigureOut">
               <a:rPr lang="ru-RU" smtClean="0"/>
               <a:pPr/>
-              <a:t>06.12.2012</a:t>
+              <a:t>22.10.2013</a:t>
             </a:fld>
             <a:endParaRPr lang="ru-RU" dirty="0"/>
           </a:p>
@@ -3279,8 +3314,8 @@
         </p:nvSpPr>
         <p:spPr>
           <a:xfrm>
-            <a:off x="3100536" y="6165304"/>
-            <a:ext cx="2895600" cy="365125"/>
+            <a:off x="3100536" y="4623978"/>
+            <a:ext cx="2895600" cy="273844"/>
           </a:xfrm>
           <a:prstGeom prst="rect">
             <a:avLst/>
@@ -3314,8 +3349,8 @@
         </p:nvSpPr>
         <p:spPr>
           <a:xfrm>
-            <a:off x="6529536" y="6165304"/>
-            <a:ext cx="2133600" cy="365125"/>
+            <a:off x="6529536" y="4623978"/>
+            <a:ext cx="2133600" cy="273844"/>
           </a:xfrm>
           <a:prstGeom prst="rect">
             <a:avLst/>
@@ -3354,8 +3389,8 @@
         </p:nvSpPr>
         <p:spPr>
           <a:xfrm>
-            <a:off x="1852209" y="1797125"/>
-            <a:ext cx="5439582" cy="3000027"/>
+            <a:off x="1852209" y="1347844"/>
+            <a:ext cx="5439582" cy="2250020"/>
           </a:xfrm>
           <a:prstGeom prst="rect">
             <a:avLst/>
@@ -3459,8 +3494,8 @@
         </p:nvSpPr>
         <p:spPr>
           <a:xfrm>
-            <a:off x="1737360" y="5445224"/>
-            <a:ext cx="5669280" cy="648072"/>
+            <a:off x="1737360" y="4083918"/>
+            <a:ext cx="5669280" cy="486054"/>
           </a:xfrm>
           <a:prstGeom prst="rect">
             <a:avLst/>
@@ -3549,6 +3584,13 @@
   <p:clrMapOvr>
     <a:masterClrMapping/>
   </p:clrMapOvr>
+  <p:timing>
+    <p:tnLst>
+      <p:par>
+        <p:cTn id="1" dur="indefinite" restart="never" nodeType="tmRoot"/>
+      </p:par>
+    </p:tnLst>
+  </p:timing>
 </p:sldLayout>
 </file>
 
@@ -3618,8 +3660,8 @@
         </p:blipFill>
         <p:spPr>
           <a:xfrm>
-            <a:off x="107504" y="116632"/>
-            <a:ext cx="8928992" cy="6590405"/>
+            <a:off x="107504" y="87474"/>
+            <a:ext cx="8928992" cy="4942804"/>
           </a:xfrm>
           <a:prstGeom prst="rect">
             <a:avLst/>
@@ -3648,8 +3690,8 @@
         </p:blipFill>
         <p:spPr>
           <a:xfrm>
-            <a:off x="-108520" y="-24175"/>
-            <a:ext cx="9361040" cy="1538632"/>
+            <a:off x="-108520" y="-18131"/>
+            <a:ext cx="9361040" cy="1153974"/>
           </a:xfrm>
           <a:prstGeom prst="rect">
             <a:avLst/>
@@ -3664,8 +3706,8 @@
         </p:nvGrpSpPr>
         <p:grpSpPr>
           <a:xfrm>
-            <a:off x="3148505" y="1074073"/>
-            <a:ext cx="2846987" cy="122680"/>
+            <a:off x="3148506" y="805555"/>
+            <a:ext cx="2846987" cy="92010"/>
             <a:chOff x="971600" y="2347184"/>
             <a:chExt cx="6007191" cy="245171"/>
           </a:xfrm>
@@ -4146,8 +4188,8 @@
         </p:nvSpPr>
         <p:spPr>
           <a:xfrm>
-            <a:off x="1547664" y="274638"/>
-            <a:ext cx="6048672" cy="803508"/>
+            <a:off x="1547664" y="205979"/>
+            <a:ext cx="6048672" cy="602631"/>
           </a:xfrm>
           <a:prstGeom prst="rect">
             <a:avLst/>
@@ -4175,8 +4217,8 @@
         </p:nvSpPr>
         <p:spPr>
           <a:xfrm>
-            <a:off x="683568" y="1772816"/>
-            <a:ext cx="7776864" cy="4392488"/>
+            <a:off x="683568" y="1329612"/>
+            <a:ext cx="7776864" cy="3294366"/>
           </a:xfrm>
           <a:prstGeom prst="rect">
             <a:avLst/>
@@ -4237,8 +4279,8 @@
         </p:nvSpPr>
         <p:spPr>
           <a:xfrm>
-            <a:off x="433536" y="6165304"/>
-            <a:ext cx="2133600" cy="365125"/>
+            <a:off x="433536" y="4623978"/>
+            <a:ext cx="2133600" cy="273844"/>
           </a:xfrm>
           <a:prstGeom prst="rect">
             <a:avLst/>
@@ -4259,7 +4301,7 @@
             <a:fld id="{51E84241-D031-42DE-84E4-CC10C30232F4}" type="datetimeFigureOut">
               <a:rPr lang="ru-RU" smtClean="0"/>
               <a:pPr/>
-              <a:t>06.12.2012</a:t>
+              <a:t>22.10.2013</a:t>
             </a:fld>
             <a:endParaRPr lang="ru-RU" dirty="0"/>
           </a:p>
@@ -4277,8 +4319,8 @@
         </p:nvSpPr>
         <p:spPr>
           <a:xfrm>
-            <a:off x="3100536" y="6165304"/>
-            <a:ext cx="2895600" cy="365125"/>
+            <a:off x="3100536" y="4623978"/>
+            <a:ext cx="2895600" cy="273844"/>
           </a:xfrm>
           <a:prstGeom prst="rect">
             <a:avLst/>
@@ -4312,8 +4354,8 @@
         </p:nvSpPr>
         <p:spPr>
           <a:xfrm>
-            <a:off x="6529536" y="6165304"/>
-            <a:ext cx="2133600" cy="365125"/>
+            <a:off x="6529536" y="4623978"/>
+            <a:ext cx="2133600" cy="273844"/>
           </a:xfrm>
           <a:prstGeom prst="rect">
             <a:avLst/>

--- a/PowerPoint/themes/theme2/classic.pptx
+++ b/PowerPoint/themes/theme2/classic.pptx
@@ -3437,7 +3437,7 @@
                 </a:solidFill>
                 <a:latin typeface="+mj-lt"/>
                 <a:ea typeface="+mj-ea"/>
-                <a:cs typeface="Tunga" pitchFamily="2"/>
+                <a:cs typeface="Arial" pitchFamily="2"/>
               </a:defRPr>
             </a:lvl1pPr>
             <a:lvl2pPr marL="457200" indent="0">
@@ -3517,7 +3517,7 @@
                 </a:solidFill>
                 <a:latin typeface="+mn-lt"/>
                 <a:ea typeface="+mn-ea"/>
-                <a:cs typeface="Tahoma" pitchFamily="34" charset="0"/>
+                <a:cs typeface="Arial" pitchFamily="34" charset="0"/>
               </a:defRPr>
             </a:lvl1pPr>
             <a:lvl2pPr marL="171450" indent="1588">
@@ -4421,7 +4421,7 @@
           <a:effectLst/>
           <a:latin typeface="+mj-lt"/>
           <a:ea typeface="+mj-ea"/>
-          <a:cs typeface="Tunga" pitchFamily="2"/>
+          <a:cs typeface="Arial" pitchFamily="2"/>
         </a:defRPr>
       </a:lvl1pPr>
     </p:titleStyle>
@@ -4447,7 +4447,7 @@
           </a:solidFill>
           <a:latin typeface="+mn-lt"/>
           <a:ea typeface="+mn-ea"/>
-          <a:cs typeface="Tahoma" pitchFamily="34" charset="0"/>
+          <a:cs typeface="Arial" pitchFamily="34" charset="0"/>
         </a:defRPr>
       </a:lvl1pPr>
       <a:lvl2pPr marL="903288" indent="-355600" algn="l" defTabSz="914400" rtl="0" eaLnBrk="1" latinLnBrk="0" hangingPunct="1">
@@ -4468,7 +4468,7 @@
           </a:solidFill>
           <a:latin typeface="+mn-lt"/>
           <a:ea typeface="+mn-ea"/>
-          <a:cs typeface="Tahoma" pitchFamily="34" charset="0"/>
+          <a:cs typeface="Arial" pitchFamily="34" charset="0"/>
         </a:defRPr>
       </a:lvl2pPr>
       <a:lvl3pPr marL="1258888" indent="-355600" algn="l" defTabSz="914400" rtl="0" eaLnBrk="1" latinLnBrk="0" hangingPunct="1">
@@ -4490,7 +4490,7 @@
           </a:solidFill>
           <a:latin typeface="+mn-lt"/>
           <a:ea typeface="+mn-ea"/>
-          <a:cs typeface="Tahoma" pitchFamily="34" charset="0"/>
+          <a:cs typeface="Arial" pitchFamily="34" charset="0"/>
         </a:defRPr>
       </a:lvl3pPr>
       <a:lvl4pPr marL="1614488" indent="-355600" algn="l" defTabSz="914400" rtl="0" eaLnBrk="1" latinLnBrk="0" hangingPunct="1">
@@ -4511,7 +4511,7 @@
           </a:solidFill>
           <a:latin typeface="+mn-lt"/>
           <a:ea typeface="+mn-ea"/>
-          <a:cs typeface="Tahoma" pitchFamily="34" charset="0"/>
+          <a:cs typeface="Arial" pitchFamily="34" charset="0"/>
         </a:defRPr>
       </a:lvl4pPr>
       <a:lvl5pPr marL="2149475" indent="-355600" algn="l" defTabSz="914400" rtl="0" eaLnBrk="1" latinLnBrk="0" hangingPunct="1">
@@ -4533,7 +4533,7 @@
           </a:solidFill>
           <a:latin typeface="+mn-lt"/>
           <a:ea typeface="+mn-ea"/>
-          <a:cs typeface="Tahoma" pitchFamily="34" charset="0"/>
+          <a:cs typeface="Arial" pitchFamily="34" charset="0"/>
         </a:defRPr>
       </a:lvl5pPr>
       <a:lvl6pPr marL="0" indent="0" algn="ctr" defTabSz="914400" rtl="0" eaLnBrk="1" latinLnBrk="0" hangingPunct="1">

--- a/PowerPoint/themes/theme2/classic.pptx
+++ b/PowerPoint/themes/theme2/classic.pptx
@@ -165,23 +165,6 @@
         <p:blipFill>
           <a:blip r:embed="rId3">
             <a:lum bright="70000" contrast="-70000"/>
-            <a:extLst>
-              <a:ext uri="{BEBA8EAE-BF5A-486C-A8C5-ECC9F3942E4B}">
-                <a14:imgProps xmlns:a14="http://schemas.microsoft.com/office/drawing/2010/main">
-                  <a14:imgLayer r:embed="rId4">
-                    <a14:imgEffect>
-                      <a14:colorTemperature colorTemp="7200"/>
-                    </a14:imgEffect>
-                    <a14:imgEffect>
-                      <a14:brightnessContrast bright="50000"/>
-                    </a14:imgEffect>
-                  </a14:imgLayer>
-                </a14:imgProps>
-              </a:ext>
-              <a:ext uri="{28A0092B-C50C-407E-A947-70E740481C1C}">
-                <a14:useLocalDpi xmlns:a14="http://schemas.microsoft.com/office/drawing/2010/main" val="0"/>
-              </a:ext>
-            </a:extLst>
           </a:blip>
           <a:stretch>
             <a:fillRect/>
@@ -1545,23 +1528,6 @@
         <p:blipFill>
           <a:blip r:embed="rId3">
             <a:lum bright="70000" contrast="-70000"/>
-            <a:extLst>
-              <a:ext uri="{BEBA8EAE-BF5A-486C-A8C5-ECC9F3942E4B}">
-                <a14:imgProps xmlns:a14="http://schemas.microsoft.com/office/drawing/2010/main">
-                  <a14:imgLayer r:embed="rId4">
-                    <a14:imgEffect>
-                      <a14:colorTemperature colorTemp="7200"/>
-                    </a14:imgEffect>
-                    <a14:imgEffect>
-                      <a14:brightnessContrast bright="50000"/>
-                    </a14:imgEffect>
-                  </a14:imgLayer>
-                </a14:imgProps>
-              </a:ext>
-              <a:ext uri="{28A0092B-C50C-407E-A947-70E740481C1C}">
-                <a14:useLocalDpi xmlns:a14="http://schemas.microsoft.com/office/drawing/2010/main" val="0"/>
-              </a:ext>
-            </a:extLst>
           </a:blip>
           <a:stretch>
             <a:fillRect/>
@@ -3396,21 +3362,7 @@
             <a:avLst/>
           </a:prstGeom>
           <a:blipFill dpi="0" rotWithShape="1">
-            <a:blip r:embed="rId2">
-              <a:extLst>
-                <a:ext uri="{BEBA8EAE-BF5A-486C-A8C5-ECC9F3942E4B}">
-                  <a14:imgProps xmlns:a14="http://schemas.microsoft.com/office/drawing/2010/main">
-                    <a14:imgLayer r:embed="rId3">
-                      <a14:imgEffect>
-                        <a14:saturation sat="190000"/>
-                      </a14:imgEffect>
-                      <a14:imgEffect>
-                        <a14:brightnessContrast bright="-10000"/>
-                      </a14:imgEffect>
-                    </a14:imgLayer>
-                  </a14:imgProps>
-                </a:ext>
-              </a:extLst>
+            <a:blip r:embed="rId2">              
             </a:blip>
             <a:srcRect/>
             <a:tile tx="0" ty="0" sx="100000" sy="100000" flip="none" algn="tl"/>
@@ -3636,23 +3588,6 @@
         <p:blipFill>
           <a:blip r:embed="rId14">
             <a:lum bright="70000" contrast="-70000"/>
-            <a:extLst>
-              <a:ext uri="{BEBA8EAE-BF5A-486C-A8C5-ECC9F3942E4B}">
-                <a14:imgProps xmlns:a14="http://schemas.microsoft.com/office/drawing/2010/main">
-                  <a14:imgLayer r:embed="rId15">
-                    <a14:imgEffect>
-                      <a14:colorTemperature colorTemp="7200"/>
-                    </a14:imgEffect>
-                    <a14:imgEffect>
-                      <a14:brightnessContrast bright="50000"/>
-                    </a14:imgEffect>
-                  </a14:imgLayer>
-                </a14:imgProps>
-              </a:ext>
-              <a:ext uri="{28A0092B-C50C-407E-A947-70E740481C1C}">
-                <a14:useLocalDpi xmlns:a14="http://schemas.microsoft.com/office/drawing/2010/main" val="0"/>
-              </a:ext>
-            </a:extLst>
           </a:blip>
           <a:stretch>
             <a:fillRect/>
@@ -5058,909 +4993,6 @@
     </a:fmtScheme>
   </a:themeElements>
   <a:objectDefaults/>
-  <a:extraClrSchemeLst>
-    <a:extraClrScheme>
-      <a:clrScheme name="Office">
-        <a:dk1>
-          <a:sysClr val="windowText" lastClr="000000"/>
-        </a:dk1>
-        <a:lt1>
-          <a:sysClr val="window" lastClr="FFFFFF"/>
-        </a:lt1>
-        <a:dk2>
-          <a:srgbClr val="1F497D"/>
-        </a:dk2>
-        <a:lt2>
-          <a:srgbClr val="EEECE1"/>
-        </a:lt2>
-        <a:accent1>
-          <a:srgbClr val="4F81BD"/>
-        </a:accent1>
-        <a:accent2>
-          <a:srgbClr val="C0504D"/>
-        </a:accent2>
-        <a:accent3>
-          <a:srgbClr val="9BBB59"/>
-        </a:accent3>
-        <a:accent4>
-          <a:srgbClr val="8064A2"/>
-        </a:accent4>
-        <a:accent5>
-          <a:srgbClr val="4BACC6"/>
-        </a:accent5>
-        <a:accent6>
-          <a:srgbClr val="F79646"/>
-        </a:accent6>
-        <a:hlink>
-          <a:srgbClr val="0000FF"/>
-        </a:hlink>
-        <a:folHlink>
-          <a:srgbClr val="800080"/>
-        </a:folHlink>
-      </a:clrScheme>
-      <a:clrMap bg1="lt1" tx1="dk1" bg2="lt2" tx2="dk2" accent1="accent1" accent2="accent2" accent3="accent3" accent4="accent4" accent5="accent5" accent6="accent6" hlink="hlink" folHlink="folHlink"/>
-    </a:extraClrScheme>
-    <a:extraClrScheme>
-      <a:clrScheme name="Grayscale">
-        <a:dk1>
-          <a:sysClr val="windowText" lastClr="000000"/>
-        </a:dk1>
-        <a:lt1>
-          <a:sysClr val="window" lastClr="FFFFFF"/>
-        </a:lt1>
-        <a:dk2>
-          <a:srgbClr val="000000"/>
-        </a:dk2>
-        <a:lt2>
-          <a:srgbClr val="F8F8F8"/>
-        </a:lt2>
-        <a:accent1>
-          <a:srgbClr val="DDDDDD"/>
-        </a:accent1>
-        <a:accent2>
-          <a:srgbClr val="B2B2B2"/>
-        </a:accent2>
-        <a:accent3>
-          <a:srgbClr val="969696"/>
-        </a:accent3>
-        <a:accent4>
-          <a:srgbClr val="808080"/>
-        </a:accent4>
-        <a:accent5>
-          <a:srgbClr val="5F5F5F"/>
-        </a:accent5>
-        <a:accent6>
-          <a:srgbClr val="4D4D4D"/>
-        </a:accent6>
-        <a:hlink>
-          <a:srgbClr val="5F5F5F"/>
-        </a:hlink>
-        <a:folHlink>
-          <a:srgbClr val="919191"/>
-        </a:folHlink>
-      </a:clrScheme>
-      <a:clrMap bg1="lt1" tx1="dk1" bg2="lt2" tx2="dk2" accent1="accent1" accent2="accent2" accent3="accent3" accent4="accent4" accent5="accent5" accent6="accent6" hlink="hlink" folHlink="folHlink"/>
-    </a:extraClrScheme>
-    <a:extraClrScheme>
-      <a:clrScheme name="Apex">
-        <a:dk1>
-          <a:sysClr val="windowText" lastClr="000000"/>
-        </a:dk1>
-        <a:lt1>
-          <a:sysClr val="window" lastClr="FFFFFF"/>
-        </a:lt1>
-        <a:dk2>
-          <a:srgbClr val="69676D"/>
-        </a:dk2>
-        <a:lt2>
-          <a:srgbClr val="C9C2D1"/>
-        </a:lt2>
-        <a:accent1>
-          <a:srgbClr val="CEB966"/>
-        </a:accent1>
-        <a:accent2>
-          <a:srgbClr val="9CB084"/>
-        </a:accent2>
-        <a:accent3>
-          <a:srgbClr val="6BB1C9"/>
-        </a:accent3>
-        <a:accent4>
-          <a:srgbClr val="6585CF"/>
-        </a:accent4>
-        <a:accent5>
-          <a:srgbClr val="7E6BC9"/>
-        </a:accent5>
-        <a:accent6>
-          <a:srgbClr val="A379BB"/>
-        </a:accent6>
-        <a:hlink>
-          <a:srgbClr val="410082"/>
-        </a:hlink>
-        <a:folHlink>
-          <a:srgbClr val="932968"/>
-        </a:folHlink>
-      </a:clrScheme>
-      <a:clrMap bg1="lt1" tx1="dk1" bg2="lt2" tx2="dk2" accent1="accent1" accent2="accent2" accent3="accent3" accent4="accent4" accent5="accent5" accent6="accent6" hlink="hlink" folHlink="folHlink"/>
-    </a:extraClrScheme>
-    <a:extraClrScheme>
-      <a:clrScheme name="Aspect">
-        <a:dk1>
-          <a:sysClr val="windowText" lastClr="000000"/>
-        </a:dk1>
-        <a:lt1>
-          <a:sysClr val="window" lastClr="FFFFFF"/>
-        </a:lt1>
-        <a:dk2>
-          <a:srgbClr val="323232"/>
-        </a:dk2>
-        <a:lt2>
-          <a:srgbClr val="E3DED1"/>
-        </a:lt2>
-        <a:accent1>
-          <a:srgbClr val="F07F09"/>
-        </a:accent1>
-        <a:accent2>
-          <a:srgbClr val="9F2936"/>
-        </a:accent2>
-        <a:accent3>
-          <a:srgbClr val="1B587C"/>
-        </a:accent3>
-        <a:accent4>
-          <a:srgbClr val="4E8542"/>
-        </a:accent4>
-        <a:accent5>
-          <a:srgbClr val="604878"/>
-        </a:accent5>
-        <a:accent6>
-          <a:srgbClr val="C19859"/>
-        </a:accent6>
-        <a:hlink>
-          <a:srgbClr val="6B9F25"/>
-        </a:hlink>
-        <a:folHlink>
-          <a:srgbClr val="B26B02"/>
-        </a:folHlink>
-      </a:clrScheme>
-      <a:clrMap bg1="lt1" tx1="dk1" bg2="lt2" tx2="dk2" accent1="accent1" accent2="accent2" accent3="accent3" accent4="accent4" accent5="accent5" accent6="accent6" hlink="hlink" folHlink="folHlink"/>
-    </a:extraClrScheme>
-    <a:extraClrScheme>
-      <a:clrScheme name="Civic">
-        <a:dk1>
-          <a:sysClr val="windowText" lastClr="000000"/>
-        </a:dk1>
-        <a:lt1>
-          <a:sysClr val="window" lastClr="FFFFFF"/>
-        </a:lt1>
-        <a:dk2>
-          <a:srgbClr val="646B86"/>
-        </a:dk2>
-        <a:lt2>
-          <a:srgbClr val="C5D1D7"/>
-        </a:lt2>
-        <a:accent1>
-          <a:srgbClr val="D16349"/>
-        </a:accent1>
-        <a:accent2>
-          <a:srgbClr val="CCB400"/>
-        </a:accent2>
-        <a:accent3>
-          <a:srgbClr val="8CADAE"/>
-        </a:accent3>
-        <a:accent4>
-          <a:srgbClr val="8C7B70"/>
-        </a:accent4>
-        <a:accent5>
-          <a:srgbClr val="8FB08C"/>
-        </a:accent5>
-        <a:accent6>
-          <a:srgbClr val="D19049"/>
-        </a:accent6>
-        <a:hlink>
-          <a:srgbClr val="00A3D6"/>
-        </a:hlink>
-        <a:folHlink>
-          <a:srgbClr val="694F07"/>
-        </a:folHlink>
-      </a:clrScheme>
-      <a:clrMap bg1="lt1" tx1="dk1" bg2="lt2" tx2="dk2" accent1="accent1" accent2="accent2" accent3="accent3" accent4="accent4" accent5="accent5" accent6="accent6" hlink="hlink" folHlink="folHlink"/>
-    </a:extraClrScheme>
-    <a:extraClrScheme>
-      <a:clrScheme name="Concourse">
-        <a:dk1>
-          <a:sysClr val="windowText" lastClr="000000"/>
-        </a:dk1>
-        <a:lt1>
-          <a:sysClr val="window" lastClr="FFFFFF"/>
-        </a:lt1>
-        <a:dk2>
-          <a:srgbClr val="464646"/>
-        </a:dk2>
-        <a:lt2>
-          <a:srgbClr val="DEF5FA"/>
-        </a:lt2>
-        <a:accent1>
-          <a:srgbClr val="2DA2BF"/>
-        </a:accent1>
-        <a:accent2>
-          <a:srgbClr val="DA1F28"/>
-        </a:accent2>
-        <a:accent3>
-          <a:srgbClr val="EB641B"/>
-        </a:accent3>
-        <a:accent4>
-          <a:srgbClr val="39639D"/>
-        </a:accent4>
-        <a:accent5>
-          <a:srgbClr val="474B78"/>
-        </a:accent5>
-        <a:accent6>
-          <a:srgbClr val="7D3C4A"/>
-        </a:accent6>
-        <a:hlink>
-          <a:srgbClr val="FF8119"/>
-        </a:hlink>
-        <a:folHlink>
-          <a:srgbClr val="44B9E8"/>
-        </a:folHlink>
-      </a:clrScheme>
-      <a:clrMap bg1="lt1" tx1="dk1" bg2="lt2" tx2="dk2" accent1="accent1" accent2="accent2" accent3="accent3" accent4="accent4" accent5="accent5" accent6="accent6" hlink="hlink" folHlink="folHlink"/>
-    </a:extraClrScheme>
-    <a:extraClrScheme>
-      <a:clrScheme name="Equity">
-        <a:dk1>
-          <a:sysClr val="windowText" lastClr="000000"/>
-        </a:dk1>
-        <a:lt1>
-          <a:sysClr val="window" lastClr="FFFFFF"/>
-        </a:lt1>
-        <a:dk2>
-          <a:srgbClr val="696464"/>
-        </a:dk2>
-        <a:lt2>
-          <a:srgbClr val="E9E5DC"/>
-        </a:lt2>
-        <a:accent1>
-          <a:srgbClr val="D34817"/>
-        </a:accent1>
-        <a:accent2>
-          <a:srgbClr val="9B2D1F"/>
-        </a:accent2>
-        <a:accent3>
-          <a:srgbClr val="A28E6A"/>
-        </a:accent3>
-        <a:accent4>
-          <a:srgbClr val="956251"/>
-        </a:accent4>
-        <a:accent5>
-          <a:srgbClr val="918485"/>
-        </a:accent5>
-        <a:accent6>
-          <a:srgbClr val="855D5D"/>
-        </a:accent6>
-        <a:hlink>
-          <a:srgbClr val="CC9900"/>
-        </a:hlink>
-        <a:folHlink>
-          <a:srgbClr val="96A9A9"/>
-        </a:folHlink>
-      </a:clrScheme>
-      <a:clrMap bg1="lt1" tx1="dk1" bg2="lt2" tx2="dk2" accent1="accent1" accent2="accent2" accent3="accent3" accent4="accent4" accent5="accent5" accent6="accent6" hlink="hlink" folHlink="folHlink"/>
-    </a:extraClrScheme>
-    <a:extraClrScheme>
-      <a:clrScheme name="Flow">
-        <a:dk1>
-          <a:sysClr val="windowText" lastClr="000000"/>
-        </a:dk1>
-        <a:lt1>
-          <a:sysClr val="window" lastClr="FFFFFF"/>
-        </a:lt1>
-        <a:dk2>
-          <a:srgbClr val="04617B"/>
-        </a:dk2>
-        <a:lt2>
-          <a:srgbClr val="DBF5F9"/>
-        </a:lt2>
-        <a:accent1>
-          <a:srgbClr val="0F6FC6"/>
-        </a:accent1>
-        <a:accent2>
-          <a:srgbClr val="009DD9"/>
-        </a:accent2>
-        <a:accent3>
-          <a:srgbClr val="0BD0D9"/>
-        </a:accent3>
-        <a:accent4>
-          <a:srgbClr val="10CF9B"/>
-        </a:accent4>
-        <a:accent5>
-          <a:srgbClr val="7CCA62"/>
-        </a:accent5>
-        <a:accent6>
-          <a:srgbClr val="A5C249"/>
-        </a:accent6>
-        <a:hlink>
-          <a:srgbClr val="F49100"/>
-        </a:hlink>
-        <a:folHlink>
-          <a:srgbClr val="85DFD0"/>
-        </a:folHlink>
-      </a:clrScheme>
-      <a:clrMap bg1="lt1" tx1="dk1" bg2="lt2" tx2="dk2" accent1="accent1" accent2="accent2" accent3="accent3" accent4="accent4" accent5="accent5" accent6="accent6" hlink="hlink" folHlink="folHlink"/>
-    </a:extraClrScheme>
-    <a:extraClrScheme>
-      <a:clrScheme name="Foundry">
-        <a:dk1>
-          <a:sysClr val="windowText" lastClr="000000"/>
-        </a:dk1>
-        <a:lt1>
-          <a:sysClr val="window" lastClr="FFFFFF"/>
-        </a:lt1>
-        <a:dk2>
-          <a:srgbClr val="676A55"/>
-        </a:dk2>
-        <a:lt2>
-          <a:srgbClr val="EAEBDE"/>
-        </a:lt2>
-        <a:accent1>
-          <a:srgbClr val="72A376"/>
-        </a:accent1>
-        <a:accent2>
-          <a:srgbClr val="B0CCB0"/>
-        </a:accent2>
-        <a:accent3>
-          <a:srgbClr val="A8CDD7"/>
-        </a:accent3>
-        <a:accent4>
-          <a:srgbClr val="C0BEAF"/>
-        </a:accent4>
-        <a:accent5>
-          <a:srgbClr val="CEC597"/>
-        </a:accent5>
-        <a:accent6>
-          <a:srgbClr val="E8B7B7"/>
-        </a:accent6>
-        <a:hlink>
-          <a:srgbClr val="DB5353"/>
-        </a:hlink>
-        <a:folHlink>
-          <a:srgbClr val="903638"/>
-        </a:folHlink>
-      </a:clrScheme>
-      <a:clrMap bg1="lt1" tx1="dk1" bg2="lt2" tx2="dk2" accent1="accent1" accent2="accent2" accent3="accent3" accent4="accent4" accent5="accent5" accent6="accent6" hlink="hlink" folHlink="folHlink"/>
-    </a:extraClrScheme>
-    <a:extraClrScheme>
-      <a:clrScheme name="Median">
-        <a:dk1>
-          <a:sysClr val="windowText" lastClr="000000"/>
-        </a:dk1>
-        <a:lt1>
-          <a:sysClr val="window" lastClr="FFFFFF"/>
-        </a:lt1>
-        <a:dk2>
-          <a:srgbClr val="775F55"/>
-        </a:dk2>
-        <a:lt2>
-          <a:srgbClr val="EBDDC3"/>
-        </a:lt2>
-        <a:accent1>
-          <a:srgbClr val="94B6D2"/>
-        </a:accent1>
-        <a:accent2>
-          <a:srgbClr val="DD8047"/>
-        </a:accent2>
-        <a:accent3>
-          <a:srgbClr val="A5AB81"/>
-        </a:accent3>
-        <a:accent4>
-          <a:srgbClr val="D8B25C"/>
-        </a:accent4>
-        <a:accent5>
-          <a:srgbClr val="7BA79D"/>
-        </a:accent5>
-        <a:accent6>
-          <a:srgbClr val="968C8C"/>
-        </a:accent6>
-        <a:hlink>
-          <a:srgbClr val="F7B615"/>
-        </a:hlink>
-        <a:folHlink>
-          <a:srgbClr val="704404"/>
-        </a:folHlink>
-      </a:clrScheme>
-      <a:clrMap bg1="lt1" tx1="dk1" bg2="lt2" tx2="dk2" accent1="accent1" accent2="accent2" accent3="accent3" accent4="accent4" accent5="accent5" accent6="accent6" hlink="hlink" folHlink="folHlink"/>
-    </a:extraClrScheme>
-    <a:extraClrScheme>
-      <a:clrScheme name="Metro">
-        <a:dk1>
-          <a:sysClr val="windowText" lastClr="000000"/>
-        </a:dk1>
-        <a:lt1>
-          <a:sysClr val="window" lastClr="FFFFFF"/>
-        </a:lt1>
-        <a:dk2>
-          <a:srgbClr val="4E5B6F"/>
-        </a:dk2>
-        <a:lt2>
-          <a:srgbClr val="D6ECFF"/>
-        </a:lt2>
-        <a:accent1>
-          <a:srgbClr val="7FD13B"/>
-        </a:accent1>
-        <a:accent2>
-          <a:srgbClr val="EA157A"/>
-        </a:accent2>
-        <a:accent3>
-          <a:srgbClr val="FEB80A"/>
-        </a:accent3>
-        <a:accent4>
-          <a:srgbClr val="00ADDC"/>
-        </a:accent4>
-        <a:accent5>
-          <a:srgbClr val="738AC8"/>
-        </a:accent5>
-        <a:accent6>
-          <a:srgbClr val="1AB39F"/>
-        </a:accent6>
-        <a:hlink>
-          <a:srgbClr val="EB8803"/>
-        </a:hlink>
-        <a:folHlink>
-          <a:srgbClr val="5F7791"/>
-        </a:folHlink>
-      </a:clrScheme>
-      <a:clrMap bg1="lt1" tx1="dk1" bg2="lt2" tx2="dk2" accent1="accent1" accent2="accent2" accent3="accent3" accent4="accent4" accent5="accent5" accent6="accent6" hlink="hlink" folHlink="folHlink"/>
-    </a:extraClrScheme>
-    <a:extraClrScheme>
-      <a:clrScheme name="Module">
-        <a:dk1>
-          <a:sysClr val="windowText" lastClr="000000"/>
-        </a:dk1>
-        <a:lt1>
-          <a:sysClr val="window" lastClr="FFFFFF"/>
-        </a:lt1>
-        <a:dk2>
-          <a:srgbClr val="5A6378"/>
-        </a:dk2>
-        <a:lt2>
-          <a:srgbClr val="D4D4D6"/>
-        </a:lt2>
-        <a:accent1>
-          <a:srgbClr val="F0AD00"/>
-        </a:accent1>
-        <a:accent2>
-          <a:srgbClr val="60B5CC"/>
-        </a:accent2>
-        <a:accent3>
-          <a:srgbClr val="E66C7D"/>
-        </a:accent3>
-        <a:accent4>
-          <a:srgbClr val="6BB76D"/>
-        </a:accent4>
-        <a:accent5>
-          <a:srgbClr val="E88651"/>
-        </a:accent5>
-        <a:accent6>
-          <a:srgbClr val="C64847"/>
-        </a:accent6>
-        <a:hlink>
-          <a:srgbClr val="168BBA"/>
-        </a:hlink>
-        <a:folHlink>
-          <a:srgbClr val="680000"/>
-        </a:folHlink>
-      </a:clrScheme>
-      <a:clrMap bg1="lt1" tx1="dk1" bg2="lt2" tx2="dk2" accent1="accent1" accent2="accent2" accent3="accent3" accent4="accent4" accent5="accent5" accent6="accent6" hlink="hlink" folHlink="folHlink"/>
-    </a:extraClrScheme>
-    <a:extraClrScheme>
-      <a:clrScheme name="Opulent">
-        <a:dk1>
-          <a:sysClr val="windowText" lastClr="000000"/>
-        </a:dk1>
-        <a:lt1>
-          <a:sysClr val="window" lastClr="FFFFFF"/>
-        </a:lt1>
-        <a:dk2>
-          <a:srgbClr val="B13F9A"/>
-        </a:dk2>
-        <a:lt2>
-          <a:srgbClr val="F4E7ED"/>
-        </a:lt2>
-        <a:accent1>
-          <a:srgbClr val="B83D68"/>
-        </a:accent1>
-        <a:accent2>
-          <a:srgbClr val="AC66BB"/>
-        </a:accent2>
-        <a:accent3>
-          <a:srgbClr val="DE6C36"/>
-        </a:accent3>
-        <a:accent4>
-          <a:srgbClr val="F9B639"/>
-        </a:accent4>
-        <a:accent5>
-          <a:srgbClr val="CF6DA4"/>
-        </a:accent5>
-        <a:accent6>
-          <a:srgbClr val="FA8D3D"/>
-        </a:accent6>
-        <a:hlink>
-          <a:srgbClr val="FFDE66"/>
-        </a:hlink>
-        <a:folHlink>
-          <a:srgbClr val="D490C5"/>
-        </a:folHlink>
-      </a:clrScheme>
-      <a:clrMap bg1="lt1" tx1="dk1" bg2="lt2" tx2="dk2" accent1="accent1" accent2="accent2" accent3="accent3" accent4="accent4" accent5="accent5" accent6="accent6" hlink="hlink" folHlink="folHlink"/>
-    </a:extraClrScheme>
-    <a:extraClrScheme>
-      <a:clrScheme name="Oriel">
-        <a:dk1>
-          <a:sysClr val="windowText" lastClr="000000"/>
-        </a:dk1>
-        <a:lt1>
-          <a:sysClr val="window" lastClr="FFFFFF"/>
-        </a:lt1>
-        <a:dk2>
-          <a:srgbClr val="575F6D"/>
-        </a:dk2>
-        <a:lt2>
-          <a:srgbClr val="FFF39D"/>
-        </a:lt2>
-        <a:accent1>
-          <a:srgbClr val="FE8637"/>
-        </a:accent1>
-        <a:accent2>
-          <a:srgbClr val="7598D9"/>
-        </a:accent2>
-        <a:accent3>
-          <a:srgbClr val="B32C16"/>
-        </a:accent3>
-        <a:accent4>
-          <a:srgbClr val="F5CD2D"/>
-        </a:accent4>
-        <a:accent5>
-          <a:srgbClr val="AEBAD5"/>
-        </a:accent5>
-        <a:accent6>
-          <a:srgbClr val="777C84"/>
-        </a:accent6>
-        <a:hlink>
-          <a:srgbClr val="D2611C"/>
-        </a:hlink>
-        <a:folHlink>
-          <a:srgbClr val="3B435B"/>
-        </a:folHlink>
-      </a:clrScheme>
-      <a:clrMap bg1="lt1" tx1="dk1" bg2="lt2" tx2="dk2" accent1="accent1" accent2="accent2" accent3="accent3" accent4="accent4" accent5="accent5" accent6="accent6" hlink="hlink" folHlink="folHlink"/>
-    </a:extraClrScheme>
-    <a:extraClrScheme>
-      <a:clrScheme name="Origin">
-        <a:dk1>
-          <a:sysClr val="windowText" lastClr="000000"/>
-        </a:dk1>
-        <a:lt1>
-          <a:sysClr val="window" lastClr="FFFFFF"/>
-        </a:lt1>
-        <a:dk2>
-          <a:srgbClr val="464653"/>
-        </a:dk2>
-        <a:lt2>
-          <a:srgbClr val="DDE9EC"/>
-        </a:lt2>
-        <a:accent1>
-          <a:srgbClr val="727CA3"/>
-        </a:accent1>
-        <a:accent2>
-          <a:srgbClr val="9FB8CD"/>
-        </a:accent2>
-        <a:accent3>
-          <a:srgbClr val="D2DA7A"/>
-        </a:accent3>
-        <a:accent4>
-          <a:srgbClr val="FADA7A"/>
-        </a:accent4>
-        <a:accent5>
-          <a:srgbClr val="B88472"/>
-        </a:accent5>
-        <a:accent6>
-          <a:srgbClr val="8E736A"/>
-        </a:accent6>
-        <a:hlink>
-          <a:srgbClr val="B292CA"/>
-        </a:hlink>
-        <a:folHlink>
-          <a:srgbClr val="6B5680"/>
-        </a:folHlink>
-      </a:clrScheme>
-      <a:clrMap bg1="lt1" tx1="dk1" bg2="lt2" tx2="dk2" accent1="accent1" accent2="accent2" accent3="accent3" accent4="accent4" accent5="accent5" accent6="accent6" hlink="hlink" folHlink="folHlink"/>
-    </a:extraClrScheme>
-    <a:extraClrScheme>
-      <a:clrScheme name="Paper">
-        <a:dk1>
-          <a:sysClr val="windowText" lastClr="000000"/>
-        </a:dk1>
-        <a:lt1>
-          <a:sysClr val="window" lastClr="FFFFFF"/>
-        </a:lt1>
-        <a:dk2>
-          <a:srgbClr val="444D26"/>
-        </a:dk2>
-        <a:lt2>
-          <a:srgbClr val="FEFAC9"/>
-        </a:lt2>
-        <a:accent1>
-          <a:srgbClr val="A5B592"/>
-        </a:accent1>
-        <a:accent2>
-          <a:srgbClr val="F3A447"/>
-        </a:accent2>
-        <a:accent3>
-          <a:srgbClr val="E7BC29"/>
-        </a:accent3>
-        <a:accent4>
-          <a:srgbClr val="D092A7"/>
-        </a:accent4>
-        <a:accent5>
-          <a:srgbClr val="9C85C0"/>
-        </a:accent5>
-        <a:accent6>
-          <a:srgbClr val="809EC2"/>
-        </a:accent6>
-        <a:hlink>
-          <a:srgbClr val="8E58B6"/>
-        </a:hlink>
-        <a:folHlink>
-          <a:srgbClr val="7F6F6F"/>
-        </a:folHlink>
-      </a:clrScheme>
-      <a:clrMap bg1="lt1" tx1="dk1" bg2="lt2" tx2="dk2" accent1="accent1" accent2="accent2" accent3="accent3" accent4="accent4" accent5="accent5" accent6="accent6" hlink="hlink" folHlink="folHlink"/>
-    </a:extraClrScheme>
-    <a:extraClrScheme>
-      <a:clrScheme name="Solstice">
-        <a:dk1>
-          <a:sysClr val="windowText" lastClr="000000"/>
-        </a:dk1>
-        <a:lt1>
-          <a:sysClr val="window" lastClr="FFFFFF"/>
-        </a:lt1>
-        <a:dk2>
-          <a:srgbClr val="4F271C"/>
-        </a:dk2>
-        <a:lt2>
-          <a:srgbClr val="E7DEC9"/>
-        </a:lt2>
-        <a:accent1>
-          <a:srgbClr val="3891A7"/>
-        </a:accent1>
-        <a:accent2>
-          <a:srgbClr val="FEB80A"/>
-        </a:accent2>
-        <a:accent3>
-          <a:srgbClr val="C32D2E"/>
-        </a:accent3>
-        <a:accent4>
-          <a:srgbClr val="84AA33"/>
-        </a:accent4>
-        <a:accent5>
-          <a:srgbClr val="964305"/>
-        </a:accent5>
-        <a:accent6>
-          <a:srgbClr val="475A8D"/>
-        </a:accent6>
-        <a:hlink>
-          <a:srgbClr val="8DC765"/>
-        </a:hlink>
-        <a:folHlink>
-          <a:srgbClr val="AA8A14"/>
-        </a:folHlink>
-      </a:clrScheme>
-      <a:clrMap bg1="lt1" tx1="dk1" bg2="lt2" tx2="dk2" accent1="accent1" accent2="accent2" accent3="accent3" accent4="accent4" accent5="accent5" accent6="accent6" hlink="hlink" folHlink="folHlink"/>
-    </a:extraClrScheme>
-    <a:extraClrScheme>
-      <a:clrScheme name="Technic">
-        <a:dk1>
-          <a:sysClr val="windowText" lastClr="000000"/>
-        </a:dk1>
-        <a:lt1>
-          <a:sysClr val="window" lastClr="FFFFFF"/>
-        </a:lt1>
-        <a:dk2>
-          <a:srgbClr val="3B3B3B"/>
-        </a:dk2>
-        <a:lt2>
-          <a:srgbClr val="D4D2D0"/>
-        </a:lt2>
-        <a:accent1>
-          <a:srgbClr val="6EA0B0"/>
-        </a:accent1>
-        <a:accent2>
-          <a:srgbClr val="CCAF0A"/>
-        </a:accent2>
-        <a:accent3>
-          <a:srgbClr val="8D89A4"/>
-        </a:accent3>
-        <a:accent4>
-          <a:srgbClr val="748560"/>
-        </a:accent4>
-        <a:accent5>
-          <a:srgbClr val="9E9273"/>
-        </a:accent5>
-        <a:accent6>
-          <a:srgbClr val="7E848D"/>
-        </a:accent6>
-        <a:hlink>
-          <a:srgbClr val="00C8C3"/>
-        </a:hlink>
-        <a:folHlink>
-          <a:srgbClr val="A116E0"/>
-        </a:folHlink>
-      </a:clrScheme>
-      <a:clrMap bg1="lt1" tx1="dk1" bg2="lt2" tx2="dk2" accent1="accent1" accent2="accent2" accent3="accent3" accent4="accent4" accent5="accent5" accent6="accent6" hlink="hlink" folHlink="folHlink"/>
-    </a:extraClrScheme>
-    <a:extraClrScheme>
-      <a:clrScheme name="Trek">
-        <a:dk1>
-          <a:sysClr val="windowText" lastClr="000000"/>
-        </a:dk1>
-        <a:lt1>
-          <a:sysClr val="window" lastClr="FFFFFF"/>
-        </a:lt1>
-        <a:dk2>
-          <a:srgbClr val="4E3B30"/>
-        </a:dk2>
-        <a:lt2>
-          <a:srgbClr val="FBEEC9"/>
-        </a:lt2>
-        <a:accent1>
-          <a:srgbClr val="F0A22E"/>
-        </a:accent1>
-        <a:accent2>
-          <a:srgbClr val="A5644E"/>
-        </a:accent2>
-        <a:accent3>
-          <a:srgbClr val="B58B80"/>
-        </a:accent3>
-        <a:accent4>
-          <a:srgbClr val="C3986D"/>
-        </a:accent4>
-        <a:accent5>
-          <a:srgbClr val="A19574"/>
-        </a:accent5>
-        <a:accent6>
-          <a:srgbClr val="C17529"/>
-        </a:accent6>
-        <a:hlink>
-          <a:srgbClr val="AD1F1F"/>
-        </a:hlink>
-        <a:folHlink>
-          <a:srgbClr val="FFC42F"/>
-        </a:folHlink>
-      </a:clrScheme>
-      <a:clrMap bg1="lt1" tx1="dk1" bg2="lt2" tx2="dk2" accent1="accent1" accent2="accent2" accent3="accent3" accent4="accent4" accent5="accent5" accent6="accent6" hlink="hlink" folHlink="folHlink"/>
-    </a:extraClrScheme>
-    <a:extraClrScheme>
-      <a:clrScheme name="Urban">
-        <a:dk1>
-          <a:sysClr val="windowText" lastClr="000000"/>
-        </a:dk1>
-        <a:lt1>
-          <a:sysClr val="window" lastClr="FFFFFF"/>
-        </a:lt1>
-        <a:dk2>
-          <a:srgbClr val="424456"/>
-        </a:dk2>
-        <a:lt2>
-          <a:srgbClr val="DEDEDE"/>
-        </a:lt2>
-        <a:accent1>
-          <a:srgbClr val="53548A"/>
-        </a:accent1>
-        <a:accent2>
-          <a:srgbClr val="438086"/>
-        </a:accent2>
-        <a:accent3>
-          <a:srgbClr val="A04DA3"/>
-        </a:accent3>
-        <a:accent4>
-          <a:srgbClr val="C4652D"/>
-        </a:accent4>
-        <a:accent5>
-          <a:srgbClr val="8B5D3D"/>
-        </a:accent5>
-        <a:accent6>
-          <a:srgbClr val="5C92B5"/>
-        </a:accent6>
-        <a:hlink>
-          <a:srgbClr val="67AFBD"/>
-        </a:hlink>
-        <a:folHlink>
-          <a:srgbClr val="C2A874"/>
-        </a:folHlink>
-      </a:clrScheme>
-      <a:clrMap bg1="lt1" tx1="dk1" bg2="lt2" tx2="dk2" accent1="accent1" accent2="accent2" accent3="accent3" accent4="accent4" accent5="accent5" accent6="accent6" hlink="hlink" folHlink="folHlink"/>
-    </a:extraClrScheme>
-    <a:extraClrScheme>
-      <a:clrScheme name="Verve">
-        <a:dk1>
-          <a:sysClr val="windowText" lastClr="000000"/>
-        </a:dk1>
-        <a:lt1>
-          <a:sysClr val="window" lastClr="FFFFFF"/>
-        </a:lt1>
-        <a:dk2>
-          <a:srgbClr val="666666"/>
-        </a:dk2>
-        <a:lt2>
-          <a:srgbClr val="D2D2D2"/>
-        </a:lt2>
-        <a:accent1>
-          <a:srgbClr val="FF388C"/>
-        </a:accent1>
-        <a:accent2>
-          <a:srgbClr val="E40059"/>
-        </a:accent2>
-        <a:accent3>
-          <a:srgbClr val="9C007F"/>
-        </a:accent3>
-        <a:accent4>
-          <a:srgbClr val="68007F"/>
-        </a:accent4>
-        <a:accent5>
-          <a:srgbClr val="005BD3"/>
-        </a:accent5>
-        <a:accent6>
-          <a:srgbClr val="00349E"/>
-        </a:accent6>
-        <a:hlink>
-          <a:srgbClr val="17BBFD"/>
-        </a:hlink>
-        <a:folHlink>
-          <a:srgbClr val="FF79C2"/>
-        </a:folHlink>
-      </a:clrScheme>
-      <a:clrMap bg1="lt1" tx1="dk1" bg2="lt2" tx2="dk2" accent1="accent1" accent2="accent2" accent3="accent3" accent4="accent4" accent5="accent5" accent6="accent6" hlink="hlink" folHlink="folHlink"/>
-    </a:extraClrScheme>
-    <a:extraClrScheme>
-      <a:clrScheme name="Custom">
-        <a:dk1>
-          <a:srgbClr val="0F243E"/>
-        </a:dk1>
-        <a:lt1>
-          <a:sysClr val="window" lastClr="FFFFFF"/>
-        </a:lt1>
-        <a:dk2>
-          <a:srgbClr val="1F497D"/>
-        </a:dk2>
-        <a:lt2>
-          <a:srgbClr val="EEECE1"/>
-        </a:lt2>
-        <a:accent1>
-          <a:srgbClr val="0000FF"/>
-        </a:accent1>
-        <a:accent2>
-          <a:srgbClr val="FE19FF"/>
-        </a:accent2>
-        <a:accent3>
-          <a:srgbClr val="00B050"/>
-        </a:accent3>
-        <a:accent4>
-          <a:srgbClr val="FF0000"/>
-        </a:accent4>
-        <a:accent5>
-          <a:srgbClr val="4BACC6"/>
-        </a:accent5>
-        <a:accent6>
-          <a:srgbClr val="FFFF00"/>
-        </a:accent6>
-        <a:hlink>
-          <a:srgbClr val="548DD4"/>
-        </a:hlink>
-        <a:folHlink>
-          <a:srgbClr val="FE19FF"/>
-        </a:folHlink>
-      </a:clrScheme>
-      <a:clrMap bg1="lt1" tx1="dk1" bg2="lt2" tx2="dk2" accent1="accent1" accent2="accent2" accent3="accent3" accent4="accent4" accent5="accent5" accent6="accent6" hlink="hlink" folHlink="folHlink"/>
-    </a:extraClrScheme>
-  </a:extraClrSchemeLst>
+  <a:extraClrSchemeLst/>
 </a:theme>
 </file>
--- a/PowerPoint/themes/theme2/classic.pptx
+++ b/PowerPoint/themes/theme2/classic.pptx
@@ -125,7 +125,7 @@
 
 <file path=ppt/slideLayouts/slideLayout1.xml><?xml version="1.0" encoding="utf-8"?>
 <p:sldLayout xmlns:a="http://schemas.openxmlformats.org/drawingml/2006/main" xmlns:r="http://schemas.openxmlformats.org/officeDocument/2006/relationships" xmlns:p="http://schemas.openxmlformats.org/presentationml/2006/main" showMasterSp="0" type="title" preserve="1" userDrawn="1">
-  <p:cSld name="Титульный слайд">
+  <p:cSld name="Title Slide">
     <p:bg>
       <p:bgPr>
         <a:blipFill dpi="0" rotWithShape="1">
@@ -827,7 +827,7 @@
 
 <file path=ppt/slideLayouts/slideLayout10.xml><?xml version="1.0" encoding="utf-8"?>
 <p:sldLayout xmlns:a="http://schemas.openxmlformats.org/drawingml/2006/main" xmlns:r="http://schemas.openxmlformats.org/officeDocument/2006/relationships" xmlns:p="http://schemas.openxmlformats.org/presentationml/2006/main" type="vertTx" preserve="1">
-  <p:cSld name="Заголовок и вертикальный текст">
+  <p:cSld name="Title and Vertical Text">
     <p:spTree>
       <p:nvGrpSpPr>
         <p:cNvPr id="1" name=""/>
@@ -1054,7 +1054,7 @@
 
 <file path=ppt/slideLayouts/slideLayout11.xml><?xml version="1.0" encoding="utf-8"?>
 <p:sldLayout xmlns:a="http://schemas.openxmlformats.org/drawingml/2006/main" xmlns:r="http://schemas.openxmlformats.org/officeDocument/2006/relationships" xmlns:p="http://schemas.openxmlformats.org/presentationml/2006/main" type="vertTitleAndTx" preserve="1">
-  <p:cSld name="Вертикальный заголовок и текст">
+  <p:cSld name="Vertical Title and Text">
     <p:spTree>
       <p:nvGrpSpPr>
         <p:cNvPr id="1" name=""/>
@@ -1241,7 +1241,7 @@
 
 <file path=ppt/slideLayouts/slideLayout2.xml><?xml version="1.0" encoding="utf-8"?>
 <p:sldLayout xmlns:a="http://schemas.openxmlformats.org/drawingml/2006/main" xmlns:r="http://schemas.openxmlformats.org/officeDocument/2006/relationships" xmlns:p="http://schemas.openxmlformats.org/presentationml/2006/main" type="obj" preserve="1" userDrawn="1">
-  <p:cSld name="Заголовок и объект">
+  <p:cSld name="Title and Content">
     <p:spTree>
       <p:nvGrpSpPr>
         <p:cNvPr id="1" name=""/>
@@ -1488,7 +1488,7 @@
 
 <file path=ppt/slideLayouts/slideLayout3.xml><?xml version="1.0" encoding="utf-8"?>
 <p:sldLayout xmlns:a="http://schemas.openxmlformats.org/drawingml/2006/main" xmlns:r="http://schemas.openxmlformats.org/officeDocument/2006/relationships" xmlns:p="http://schemas.openxmlformats.org/presentationml/2006/main" showMasterSp="0" type="secHead" preserve="1" userDrawn="1">
-  <p:cSld name="Заголовок и текст">
+  <p:cSld name="Section Header">
     <p:bg>
       <p:bgPr>
         <a:blipFill dpi="0" rotWithShape="1">
@@ -1796,7 +1796,7 @@
 
 <file path=ppt/slideLayouts/slideLayout4.xml><?xml version="1.0" encoding="utf-8"?>
 <p:sldLayout xmlns:a="http://schemas.openxmlformats.org/drawingml/2006/main" xmlns:r="http://schemas.openxmlformats.org/officeDocument/2006/relationships" xmlns:p="http://schemas.openxmlformats.org/presentationml/2006/main" type="twoObj" preserve="1">
-  <p:cSld name="Два объекта">
+  <p:cSld name="Two Content">
     <p:spTree>
       <p:nvGrpSpPr>
         <p:cNvPr id="1" name=""/>
@@ -2091,7 +2091,7 @@
 
 <file path=ppt/slideLayouts/slideLayout5.xml><?xml version="1.0" encoding="utf-8"?>
 <p:sldLayout xmlns:a="http://schemas.openxmlformats.org/drawingml/2006/main" xmlns:r="http://schemas.openxmlformats.org/officeDocument/2006/relationships" xmlns:p="http://schemas.openxmlformats.org/presentationml/2006/main" type="twoTxTwoObj" preserve="1">
-  <p:cSld name="Сравнение">
+  <p:cSld name="Comparison">
     <p:spTree>
       <p:nvGrpSpPr>
         <p:cNvPr id="1" name=""/>
@@ -2520,7 +2520,7 @@
 
 <file path=ppt/slideLayouts/slideLayout6.xml><?xml version="1.0" encoding="utf-8"?>
 <p:sldLayout xmlns:a="http://schemas.openxmlformats.org/drawingml/2006/main" xmlns:r="http://schemas.openxmlformats.org/officeDocument/2006/relationships" xmlns:p="http://schemas.openxmlformats.org/presentationml/2006/main" type="titleOnly" preserve="1">
-  <p:cSld name="Только заголовок">
+  <p:cSld name="Title Only">
     <p:spTree>
       <p:nvGrpSpPr>
         <p:cNvPr id="1" name=""/>
@@ -2695,7 +2695,7 @@
 
 <file path=ppt/slideLayouts/slideLayout7.xml><?xml version="1.0" encoding="utf-8"?>
 <p:sldLayout xmlns:a="http://schemas.openxmlformats.org/drawingml/2006/main" xmlns:r="http://schemas.openxmlformats.org/officeDocument/2006/relationships" xmlns:p="http://schemas.openxmlformats.org/presentationml/2006/main" type="blank" preserve="1">
-  <p:cSld name="Пустой слайд">
+  <p:cSld name="Blank">
     <p:spTree>
       <p:nvGrpSpPr>
         <p:cNvPr id="1" name=""/>
@@ -2847,7 +2847,7 @@
 
 <file path=ppt/slideLayouts/slideLayout8.xml><?xml version="1.0" encoding="utf-8"?>
 <p:sldLayout xmlns:a="http://schemas.openxmlformats.org/drawingml/2006/main" xmlns:r="http://schemas.openxmlformats.org/officeDocument/2006/relationships" xmlns:p="http://schemas.openxmlformats.org/presentationml/2006/main" type="objTx" preserve="1">
-  <p:cSld name="Объект с подписью">
+  <p:cSld name="Content with Caption">
     <p:spTree>
       <p:nvGrpSpPr>
         <p:cNvPr id="1" name=""/>
@@ -3181,7 +3181,7 @@
 
 <file path=ppt/slideLayouts/slideLayout9.xml><?xml version="1.0" encoding="utf-8"?>
 <p:sldLayout xmlns:a="http://schemas.openxmlformats.org/drawingml/2006/main" xmlns:r="http://schemas.openxmlformats.org/officeDocument/2006/relationships" xmlns:p="http://schemas.openxmlformats.org/presentationml/2006/main" type="picTx" preserve="1" userDrawn="1">
-  <p:cSld name="Рисунок с подписью">
+  <p:cSld name="Picture with Caption">
     <p:spTree>
       <p:nvGrpSpPr>
         <p:cNvPr id="1" name=""/>
